--- a/resou/HomeUI.pptx
+++ b/resou/HomeUI.pptx
@@ -6,6 +6,9 @@
   </p:sldMasterIdLst>
   <p:sldIdLst>
     <p:sldId id="256" r:id="rId2"/>
+    <p:sldId id="257" r:id="rId3"/>
+    <p:sldId id="259" r:id="rId4"/>
+    <p:sldId id="258" r:id="rId5"/>
   </p:sldIdLst>
   <p:sldSz cx="12192000" cy="6858000"/>
   <p:notesSz cx="6858000" cy="9144000"/>
@@ -104,7 +107,124 @@
       </a:defRPr>
     </a:lvl9pPr>
   </p:defaultTextStyle>
+  <p:extLst>
+    <p:ext uri="{EFAFB233-063F-42B5-8137-9DF3F51BA10A}">
+      <p15:sldGuideLst xmlns:p15="http://schemas.microsoft.com/office/powerpoint/2012/main"/>
+    </p:ext>
+  </p:extLst>
 </p:presentation>
+</file>
+
+<file path=ppt/ink/ink1.xml><?xml version="1.0" encoding="utf-8"?>
+<inkml:ink xmlns:inkml="http://www.w3.org/2003/InkML">
+  <inkml:definitions>
+    <inkml:context xml:id="ctx0">
+      <inkml:inkSource xml:id="inkSrc0">
+        <inkml:traceFormat>
+          <inkml:channel name="X" type="integer" min="-2.14748E9" max="2.14748E9" units="cm"/>
+          <inkml:channel name="Y" type="integer" min="-2.14748E9" max="2.14748E9" units="cm"/>
+          <inkml:channel name="F" type="integer" max="32767" units="dev"/>
+        </inkml:traceFormat>
+        <inkml:channelProperties>
+          <inkml:channelProperty channel="X" name="resolution" value="1000" units="1/cm"/>
+          <inkml:channelProperty channel="Y" name="resolution" value="1000" units="1/cm"/>
+          <inkml:channelProperty channel="F" name="resolution" value="0" units="1/dev"/>
+        </inkml:channelProperties>
+      </inkml:inkSource>
+      <inkml:timestamp xml:id="ts0" timeString="2023-01-10T13:04:34.305"/>
+    </inkml:context>
+    <inkml:brush xml:id="br0">
+      <inkml:brushProperty name="width" value="0.05" units="cm"/>
+      <inkml:brushProperty name="height" value="0.05" units="cm"/>
+      <inkml:brushProperty name="color" value="#E71224"/>
+    </inkml:brush>
+  </inkml:definitions>
+  <inkml:trace contextRef="#ctx0" brushRef="#br0">0 1 24575,'0'0'-8191</inkml:trace>
+</inkml:ink>
+</file>
+
+<file path=ppt/ink/ink2.xml><?xml version="1.0" encoding="utf-8"?>
+<inkml:ink xmlns:inkml="http://www.w3.org/2003/InkML">
+  <inkml:definitions>
+    <inkml:context xml:id="ctx0">
+      <inkml:inkSource xml:id="inkSrc0">
+        <inkml:traceFormat>
+          <inkml:channel name="X" type="integer" min="-2.14748E9" max="2.14748E9" units="cm"/>
+          <inkml:channel name="Y" type="integer" min="-2.14748E9" max="2.14748E9" units="cm"/>
+          <inkml:channel name="F" type="integer" max="32767" units="dev"/>
+        </inkml:traceFormat>
+        <inkml:channelProperties>
+          <inkml:channelProperty channel="X" name="resolution" value="1000" units="1/cm"/>
+          <inkml:channelProperty channel="Y" name="resolution" value="1000" units="1/cm"/>
+          <inkml:channelProperty channel="F" name="resolution" value="0" units="1/dev"/>
+        </inkml:channelProperties>
+      </inkml:inkSource>
+      <inkml:timestamp xml:id="ts0" timeString="2023-01-10T13:05:11.531"/>
+    </inkml:context>
+    <inkml:brush xml:id="br0">
+      <inkml:brushProperty name="width" value="0.05" units="cm"/>
+      <inkml:brushProperty name="height" value="0.05" units="cm"/>
+      <inkml:brushProperty name="color" value="#E71224"/>
+    </inkml:brush>
+  </inkml:definitions>
+  <inkml:trace contextRef="#ctx0" brushRef="#br0">0 0 24575,'0'0'-8191</inkml:trace>
+</inkml:ink>
+</file>
+
+<file path=ppt/ink/ink3.xml><?xml version="1.0" encoding="utf-8"?>
+<inkml:ink xmlns:inkml="http://www.w3.org/2003/InkML">
+  <inkml:definitions>
+    <inkml:context xml:id="ctx0">
+      <inkml:inkSource xml:id="inkSrc0">
+        <inkml:traceFormat>
+          <inkml:channel name="X" type="integer" min="-2.14748E9" max="2.14748E9" units="cm"/>
+          <inkml:channel name="Y" type="integer" min="-2.14748E9" max="2.14748E9" units="cm"/>
+          <inkml:channel name="F" type="integer" max="32767" units="dev"/>
+        </inkml:traceFormat>
+        <inkml:channelProperties>
+          <inkml:channelProperty channel="X" name="resolution" value="1000" units="1/cm"/>
+          <inkml:channelProperty channel="Y" name="resolution" value="1000" units="1/cm"/>
+          <inkml:channelProperty channel="F" name="resolution" value="0" units="1/dev"/>
+        </inkml:channelProperties>
+      </inkml:inkSource>
+      <inkml:timestamp xml:id="ts0" timeString="2023-01-10T13:05:19.530"/>
+    </inkml:context>
+    <inkml:brush xml:id="br0">
+      <inkml:brushProperty name="width" value="0.05" units="cm"/>
+      <inkml:brushProperty name="height" value="0.05" units="cm"/>
+      <inkml:brushProperty name="color" value="#E71224"/>
+    </inkml:brush>
+  </inkml:definitions>
+  <inkml:trace contextRef="#ctx0" brushRef="#br0">1 5 24575,'4'0'0,"2"-5"0</inkml:trace>
+</inkml:ink>
+</file>
+
+<file path=ppt/ink/ink4.xml><?xml version="1.0" encoding="utf-8"?>
+<inkml:ink xmlns:inkml="http://www.w3.org/2003/InkML">
+  <inkml:definitions>
+    <inkml:context xml:id="ctx0">
+      <inkml:inkSource xml:id="inkSrc0">
+        <inkml:traceFormat>
+          <inkml:channel name="X" type="integer" min="-2.14748E9" max="2.14748E9" units="cm"/>
+          <inkml:channel name="Y" type="integer" min="-2.14748E9" max="2.14748E9" units="cm"/>
+          <inkml:channel name="F" type="integer" max="32767" units="dev"/>
+        </inkml:traceFormat>
+        <inkml:channelProperties>
+          <inkml:channelProperty channel="X" name="resolution" value="1000" units="1/cm"/>
+          <inkml:channelProperty channel="Y" name="resolution" value="1000" units="1/cm"/>
+          <inkml:channelProperty channel="F" name="resolution" value="0" units="1/dev"/>
+        </inkml:channelProperties>
+      </inkml:inkSource>
+      <inkml:timestamp xml:id="ts0" timeString="2023-01-10T13:05:19.918"/>
+    </inkml:context>
+    <inkml:brush xml:id="br0">
+      <inkml:brushProperty name="width" value="0.05" units="cm"/>
+      <inkml:brushProperty name="height" value="0.05" units="cm"/>
+      <inkml:brushProperty name="color" value="#E71224"/>
+    </inkml:brush>
+  </inkml:definitions>
+  <inkml:trace contextRef="#ctx0" brushRef="#br0">0 1 24575,'0'0'-8191</inkml:trace>
+</inkml:ink>
 </file>
 
 <file path=ppt/slideLayouts/slideLayout1.xml><?xml version="1.0" encoding="utf-8"?>
@@ -256,7 +376,7 @@
           <a:p>
             <a:fld id="{F4F42DFF-8763-4219-9543-9CC4B17FA5F6}" type="datetimeFigureOut">
               <a:rPr lang="vi-VN" smtClean="0"/>
-              <a:t>09/01/2023</a:t>
+              <a:t>10/01/2023</a:t>
             </a:fld>
             <a:endParaRPr lang="vi-VN"/>
           </a:p>
@@ -456,7 +576,7 @@
           <a:p>
             <a:fld id="{F4F42DFF-8763-4219-9543-9CC4B17FA5F6}" type="datetimeFigureOut">
               <a:rPr lang="vi-VN" smtClean="0"/>
-              <a:t>09/01/2023</a:t>
+              <a:t>10/01/2023</a:t>
             </a:fld>
             <a:endParaRPr lang="vi-VN"/>
           </a:p>
@@ -666,7 +786,7 @@
           <a:p>
             <a:fld id="{F4F42DFF-8763-4219-9543-9CC4B17FA5F6}" type="datetimeFigureOut">
               <a:rPr lang="vi-VN" smtClean="0"/>
-              <a:t>09/01/2023</a:t>
+              <a:t>10/01/2023</a:t>
             </a:fld>
             <a:endParaRPr lang="vi-VN"/>
           </a:p>
@@ -866,7 +986,7 @@
           <a:p>
             <a:fld id="{F4F42DFF-8763-4219-9543-9CC4B17FA5F6}" type="datetimeFigureOut">
               <a:rPr lang="vi-VN" smtClean="0"/>
-              <a:t>09/01/2023</a:t>
+              <a:t>10/01/2023</a:t>
             </a:fld>
             <a:endParaRPr lang="vi-VN"/>
           </a:p>
@@ -1142,7 +1262,7 @@
           <a:p>
             <a:fld id="{F4F42DFF-8763-4219-9543-9CC4B17FA5F6}" type="datetimeFigureOut">
               <a:rPr lang="vi-VN" smtClean="0"/>
-              <a:t>09/01/2023</a:t>
+              <a:t>10/01/2023</a:t>
             </a:fld>
             <a:endParaRPr lang="vi-VN"/>
           </a:p>
@@ -1410,7 +1530,7 @@
           <a:p>
             <a:fld id="{F4F42DFF-8763-4219-9543-9CC4B17FA5F6}" type="datetimeFigureOut">
               <a:rPr lang="vi-VN" smtClean="0"/>
-              <a:t>09/01/2023</a:t>
+              <a:t>10/01/2023</a:t>
             </a:fld>
             <a:endParaRPr lang="vi-VN"/>
           </a:p>
@@ -1825,7 +1945,7 @@
           <a:p>
             <a:fld id="{F4F42DFF-8763-4219-9543-9CC4B17FA5F6}" type="datetimeFigureOut">
               <a:rPr lang="vi-VN" smtClean="0"/>
-              <a:t>09/01/2023</a:t>
+              <a:t>10/01/2023</a:t>
             </a:fld>
             <a:endParaRPr lang="vi-VN"/>
           </a:p>
@@ -1967,7 +2087,7 @@
           <a:p>
             <a:fld id="{F4F42DFF-8763-4219-9543-9CC4B17FA5F6}" type="datetimeFigureOut">
               <a:rPr lang="vi-VN" smtClean="0"/>
-              <a:t>09/01/2023</a:t>
+              <a:t>10/01/2023</a:t>
             </a:fld>
             <a:endParaRPr lang="vi-VN"/>
           </a:p>
@@ -2080,7 +2200,7 @@
           <a:p>
             <a:fld id="{F4F42DFF-8763-4219-9543-9CC4B17FA5F6}" type="datetimeFigureOut">
               <a:rPr lang="vi-VN" smtClean="0"/>
-              <a:t>09/01/2023</a:t>
+              <a:t>10/01/2023</a:t>
             </a:fld>
             <a:endParaRPr lang="vi-VN"/>
           </a:p>
@@ -2393,7 +2513,7 @@
           <a:p>
             <a:fld id="{F4F42DFF-8763-4219-9543-9CC4B17FA5F6}" type="datetimeFigureOut">
               <a:rPr lang="vi-VN" smtClean="0"/>
-              <a:t>09/01/2023</a:t>
+              <a:t>10/01/2023</a:t>
             </a:fld>
             <a:endParaRPr lang="vi-VN"/>
           </a:p>
@@ -2682,7 +2802,7 @@
           <a:p>
             <a:fld id="{F4F42DFF-8763-4219-9543-9CC4B17FA5F6}" type="datetimeFigureOut">
               <a:rPr lang="vi-VN" smtClean="0"/>
-              <a:t>09/01/2023</a:t>
+              <a:t>10/01/2023</a:t>
             </a:fld>
             <a:endParaRPr lang="vi-VN"/>
           </a:p>
@@ -2925,7 +3045,7 @@
           <a:p>
             <a:fld id="{F4F42DFF-8763-4219-9543-9CC4B17FA5F6}" type="datetimeFigureOut">
               <a:rPr lang="vi-VN" smtClean="0"/>
-              <a:t>09/01/2023</a:t>
+              <a:t>10/01/2023</a:t>
             </a:fld>
             <a:endParaRPr lang="vi-VN"/>
           </a:p>
@@ -3401,6 +3521,1023 @@
 </p:sld>
 </file>
 
+<file path=ppt/slides/slide2.xml><?xml version="1.0" encoding="utf-8"?>
+<p:sld xmlns:a="http://schemas.openxmlformats.org/drawingml/2006/main" xmlns:r="http://schemas.openxmlformats.org/officeDocument/2006/relationships" xmlns:p="http://schemas.openxmlformats.org/presentationml/2006/main">
+  <p:cSld>
+    <p:spTree>
+      <p:nvGrpSpPr>
+        <p:cNvPr id="1" name=""/>
+        <p:cNvGrpSpPr/>
+        <p:nvPr/>
+      </p:nvGrpSpPr>
+      <p:grpSpPr>
+        <a:xfrm>
+          <a:off x="0" y="0"/>
+          <a:ext cx="0" cy="0"/>
+          <a:chOff x="0" y="0"/>
+          <a:chExt cx="0" cy="0"/>
+        </a:xfrm>
+      </p:grpSpPr>
+      <p:pic>
+        <p:nvPicPr>
+          <p:cNvPr id="5" name="Picture 4">
+            <a:extLst>
+              <a:ext uri="{FF2B5EF4-FFF2-40B4-BE49-F238E27FC236}">
+                <a16:creationId xmlns:a16="http://schemas.microsoft.com/office/drawing/2014/main" id="{A938EF2B-E002-DE3E-92AF-46A50C57C280}"/>
+              </a:ext>
+            </a:extLst>
+          </p:cNvPr>
+          <p:cNvPicPr>
+            <a:picLocks noChangeAspect="1"/>
+          </p:cNvPicPr>
+          <p:nvPr/>
+        </p:nvPicPr>
+        <p:blipFill>
+          <a:blip r:embed="rId2">
+            <a:extLst>
+              <a:ext uri="{28A0092B-C50C-407E-A947-70E740481C1C}">
+                <a14:useLocalDpi xmlns:a14="http://schemas.microsoft.com/office/drawing/2010/main" val="0"/>
+              </a:ext>
+            </a:extLst>
+          </a:blip>
+          <a:stretch>
+            <a:fillRect/>
+          </a:stretch>
+        </p:blipFill>
+        <p:spPr>
+          <a:xfrm rot="10989912" flipV="1">
+            <a:off x="1369291" y="715534"/>
+            <a:ext cx="2130890" cy="2130890"/>
+          </a:xfrm>
+          <a:prstGeom prst="rect">
+            <a:avLst/>
+          </a:prstGeom>
+        </p:spPr>
+      </p:pic>
+      <p:pic>
+        <p:nvPicPr>
+          <p:cNvPr id="7" name="Picture 6">
+            <a:extLst>
+              <a:ext uri="{FF2B5EF4-FFF2-40B4-BE49-F238E27FC236}">
+                <a16:creationId xmlns:a16="http://schemas.microsoft.com/office/drawing/2014/main" id="{7FA51308-15B3-0589-8851-EE7C5D2E00FF}"/>
+              </a:ext>
+            </a:extLst>
+          </p:cNvPr>
+          <p:cNvPicPr>
+            <a:picLocks noChangeAspect="1"/>
+          </p:cNvPicPr>
+          <p:nvPr/>
+        </p:nvPicPr>
+        <p:blipFill>
+          <a:blip r:embed="rId3">
+            <a:extLst>
+              <a:ext uri="{28A0092B-C50C-407E-A947-70E740481C1C}">
+                <a14:useLocalDpi xmlns:a14="http://schemas.microsoft.com/office/drawing/2010/main" val="0"/>
+              </a:ext>
+            </a:extLst>
+          </a:blip>
+          <a:stretch>
+            <a:fillRect/>
+          </a:stretch>
+        </p:blipFill>
+        <p:spPr>
+          <a:xfrm>
+            <a:off x="5248924" y="688402"/>
+            <a:ext cx="2245298" cy="2245298"/>
+          </a:xfrm>
+          <a:prstGeom prst="rect">
+            <a:avLst/>
+          </a:prstGeom>
+        </p:spPr>
+      </p:pic>
+      <p:pic>
+        <p:nvPicPr>
+          <p:cNvPr id="9" name="Picture 8">
+            <a:extLst>
+              <a:ext uri="{FF2B5EF4-FFF2-40B4-BE49-F238E27FC236}">
+                <a16:creationId xmlns:a16="http://schemas.microsoft.com/office/drawing/2014/main" id="{8A9B315A-5EB9-1F08-86E3-872EDE9CBE18}"/>
+              </a:ext>
+            </a:extLst>
+          </p:cNvPr>
+          <p:cNvPicPr>
+            <a:picLocks noChangeAspect="1"/>
+          </p:cNvPicPr>
+          <p:nvPr/>
+        </p:nvPicPr>
+        <p:blipFill>
+          <a:blip r:embed="rId4">
+            <a:extLst>
+              <a:ext uri="{28A0092B-C50C-407E-A947-70E740481C1C}">
+                <a14:useLocalDpi xmlns:a14="http://schemas.microsoft.com/office/drawing/2010/main" val="0"/>
+              </a:ext>
+            </a:extLst>
+          </a:blip>
+          <a:stretch>
+            <a:fillRect/>
+          </a:stretch>
+        </p:blipFill>
+        <p:spPr>
+          <a:xfrm>
+            <a:off x="8907176" y="688402"/>
+            <a:ext cx="2245298" cy="2245298"/>
+          </a:xfrm>
+          <a:prstGeom prst="rect">
+            <a:avLst/>
+          </a:prstGeom>
+        </p:spPr>
+      </p:pic>
+      <p:sp>
+        <p:nvSpPr>
+          <p:cNvPr id="10" name="TextBox 9">
+            <a:extLst>
+              <a:ext uri="{FF2B5EF4-FFF2-40B4-BE49-F238E27FC236}">
+                <a16:creationId xmlns:a16="http://schemas.microsoft.com/office/drawing/2014/main" id="{99469EE4-05FE-71A0-A79F-3213CA18E307}"/>
+              </a:ext>
+            </a:extLst>
+          </p:cNvPr>
+          <p:cNvSpPr txBox="1"/>
+          <p:nvPr/>
+        </p:nvSpPr>
+        <p:spPr>
+          <a:xfrm>
+            <a:off x="1069592" y="3161017"/>
+            <a:ext cx="2933700" cy="707886"/>
+          </a:xfrm>
+          <a:prstGeom prst="rect">
+            <a:avLst/>
+          </a:prstGeom>
+          <a:noFill/>
+        </p:spPr>
+        <p:txBody>
+          <a:bodyPr wrap="square" rtlCol="0">
+            <a:spAutoFit/>
+          </a:bodyPr>
+          <a:lstStyle/>
+          <a:p>
+            <a:r>
+              <a:rPr lang="vi-VN" sz="4000" b="1" dirty="0">
+                <a:solidFill>
+                  <a:schemeClr val="accent1">
+                    <a:lumMod val="75000"/>
+                  </a:schemeClr>
+                </a:solidFill>
+                <a:latin typeface="Times New Roman" panose="02020603050405020304" pitchFamily="18" charset="0"/>
+                <a:cs typeface="Times New Roman" panose="02020603050405020304" pitchFamily="18" charset="0"/>
+              </a:rPr>
+              <a:t>Giá tốt nhất </a:t>
+            </a:r>
+          </a:p>
+        </p:txBody>
+      </p:sp>
+      <p:sp>
+        <p:nvSpPr>
+          <p:cNvPr id="11" name="TextBox 10">
+            <a:extLst>
+              <a:ext uri="{FF2B5EF4-FFF2-40B4-BE49-F238E27FC236}">
+                <a16:creationId xmlns:a16="http://schemas.microsoft.com/office/drawing/2014/main" id="{3AF5AF2D-505A-A24F-41B4-FA1C75552F30}"/>
+              </a:ext>
+            </a:extLst>
+          </p:cNvPr>
+          <p:cNvSpPr txBox="1"/>
+          <p:nvPr/>
+        </p:nvSpPr>
+        <p:spPr>
+          <a:xfrm>
+            <a:off x="4476750" y="3161017"/>
+            <a:ext cx="3795714" cy="707886"/>
+          </a:xfrm>
+          <a:prstGeom prst="rect">
+            <a:avLst/>
+          </a:prstGeom>
+          <a:noFill/>
+        </p:spPr>
+        <p:txBody>
+          <a:bodyPr wrap="square" rtlCol="0">
+            <a:spAutoFit/>
+          </a:bodyPr>
+          <a:lstStyle/>
+          <a:p>
+            <a:r>
+              <a:rPr lang="vi-VN" sz="4000" b="1" dirty="0">
+                <a:solidFill>
+                  <a:schemeClr val="accent1">
+                    <a:lumMod val="75000"/>
+                  </a:schemeClr>
+                </a:solidFill>
+                <a:latin typeface="Times New Roman" panose="02020603050405020304" pitchFamily="18" charset="0"/>
+                <a:cs typeface="Times New Roman" panose="02020603050405020304" pitchFamily="18" charset="0"/>
+              </a:rPr>
+              <a:t>Dịch vụ tốt nhất</a:t>
+            </a:r>
+          </a:p>
+        </p:txBody>
+      </p:sp>
+      <p:sp>
+        <p:nvSpPr>
+          <p:cNvPr id="12" name="TextBox 11">
+            <a:extLst>
+              <a:ext uri="{FF2B5EF4-FFF2-40B4-BE49-F238E27FC236}">
+                <a16:creationId xmlns:a16="http://schemas.microsoft.com/office/drawing/2014/main" id="{E97DE177-098C-AF5D-2BCC-0BDC4082DAF7}"/>
+              </a:ext>
+            </a:extLst>
+          </p:cNvPr>
+          <p:cNvSpPr txBox="1"/>
+          <p:nvPr/>
+        </p:nvSpPr>
+        <p:spPr>
+          <a:xfrm>
+            <a:off x="8629650" y="3161017"/>
+            <a:ext cx="2800350" cy="1323439"/>
+          </a:xfrm>
+          <a:prstGeom prst="rect">
+            <a:avLst/>
+          </a:prstGeom>
+          <a:noFill/>
+        </p:spPr>
+        <p:txBody>
+          <a:bodyPr wrap="square" rtlCol="0">
+            <a:spAutoFit/>
+          </a:bodyPr>
+          <a:lstStyle/>
+          <a:p>
+            <a:pPr algn="ctr"/>
+            <a:r>
+              <a:rPr lang="vi-VN" sz="4000" b="1" dirty="0">
+                <a:solidFill>
+                  <a:schemeClr val="accent1">
+                    <a:lumMod val="75000"/>
+                  </a:schemeClr>
+                </a:solidFill>
+                <a:latin typeface="Times New Roman" panose="02020603050405020304" pitchFamily="18" charset="0"/>
+                <a:cs typeface="Times New Roman" panose="02020603050405020304" pitchFamily="18" charset="0"/>
+              </a:rPr>
+              <a:t>Giao xe sớm nhất</a:t>
+            </a:r>
+          </a:p>
+        </p:txBody>
+      </p:sp>
+      <p:sp>
+        <p:nvSpPr>
+          <p:cNvPr id="14" name="TextBox 13">
+            <a:extLst>
+              <a:ext uri="{FF2B5EF4-FFF2-40B4-BE49-F238E27FC236}">
+                <a16:creationId xmlns:a16="http://schemas.microsoft.com/office/drawing/2014/main" id="{0F5ED673-2CE8-F9AC-54A0-C97EA910BB76}"/>
+              </a:ext>
+            </a:extLst>
+          </p:cNvPr>
+          <p:cNvSpPr txBox="1"/>
+          <p:nvPr/>
+        </p:nvSpPr>
+        <p:spPr>
+          <a:xfrm>
+            <a:off x="742951" y="4008740"/>
+            <a:ext cx="3495674" cy="2246769"/>
+          </a:xfrm>
+          <a:prstGeom prst="rect">
+            <a:avLst/>
+          </a:prstGeom>
+          <a:noFill/>
+        </p:spPr>
+        <p:txBody>
+          <a:bodyPr wrap="square" rtlCol="0">
+            <a:spAutoFit/>
+          </a:bodyPr>
+          <a:lstStyle/>
+          <a:p>
+            <a:pPr algn="ctr"/>
+            <a:r>
+              <a:rPr lang="vi-VN" sz="2800" dirty="0">
+                <a:latin typeface="+mj-lt"/>
+              </a:rPr>
+              <a:t>Chúng tôi cam kết mang lại mức giá tốt nhất, ưu đãi nhất nhằm mang lại lợi ích cao nhất cho quý khách</a:t>
+            </a:r>
+          </a:p>
+        </p:txBody>
+      </p:sp>
+      <p:sp>
+        <p:nvSpPr>
+          <p:cNvPr id="15" name="TextBox 14">
+            <a:extLst>
+              <a:ext uri="{FF2B5EF4-FFF2-40B4-BE49-F238E27FC236}">
+                <a16:creationId xmlns:a16="http://schemas.microsoft.com/office/drawing/2014/main" id="{09E900DE-7AA0-4F76-1877-3BD0EE4804A5}"/>
+              </a:ext>
+            </a:extLst>
+          </p:cNvPr>
+          <p:cNvSpPr txBox="1"/>
+          <p:nvPr/>
+        </p:nvSpPr>
+        <p:spPr>
+          <a:xfrm>
+            <a:off x="4623736" y="3953557"/>
+            <a:ext cx="3495674" cy="1815882"/>
+          </a:xfrm>
+          <a:prstGeom prst="rect">
+            <a:avLst/>
+          </a:prstGeom>
+          <a:noFill/>
+        </p:spPr>
+        <p:txBody>
+          <a:bodyPr wrap="square" rtlCol="0">
+            <a:spAutoFit/>
+          </a:bodyPr>
+          <a:lstStyle/>
+          <a:p>
+            <a:pPr algn="ctr"/>
+            <a:r>
+              <a:rPr lang="vi-VN" sz="2800" dirty="0">
+                <a:latin typeface="+mj-lt"/>
+              </a:rPr>
+              <a:t>Mang lại dịch vụ bảo dưỡng, sửa chữa tốt nhất theo tiêu chuẩn quốc tế của Ford</a:t>
+            </a:r>
+          </a:p>
+        </p:txBody>
+      </p:sp>
+      <p:sp>
+        <p:nvSpPr>
+          <p:cNvPr id="16" name="TextBox 15">
+            <a:extLst>
+              <a:ext uri="{FF2B5EF4-FFF2-40B4-BE49-F238E27FC236}">
+                <a16:creationId xmlns:a16="http://schemas.microsoft.com/office/drawing/2014/main" id="{9F5D8269-BAF9-3596-80FC-68B82E333A01}"/>
+              </a:ext>
+            </a:extLst>
+          </p:cNvPr>
+          <p:cNvSpPr txBox="1"/>
+          <p:nvPr/>
+        </p:nvSpPr>
+        <p:spPr>
+          <a:xfrm>
+            <a:off x="8272464" y="4484456"/>
+            <a:ext cx="3495674" cy="1384995"/>
+          </a:xfrm>
+          <a:prstGeom prst="rect">
+            <a:avLst/>
+          </a:prstGeom>
+          <a:noFill/>
+        </p:spPr>
+        <p:txBody>
+          <a:bodyPr wrap="square" rtlCol="0">
+            <a:spAutoFit/>
+          </a:bodyPr>
+          <a:lstStyle/>
+          <a:p>
+            <a:pPr algn="ctr"/>
+            <a:r>
+              <a:rPr lang="vi-VN" sz="2800" dirty="0">
+                <a:latin typeface="+mj-lt"/>
+              </a:rPr>
+              <a:t>Nhanh chóng giao xe cho quý khách trong thời gian sớm nhất</a:t>
+            </a:r>
+          </a:p>
+        </p:txBody>
+      </p:sp>
+    </p:spTree>
+    <p:extLst>
+      <p:ext uri="{BB962C8B-B14F-4D97-AF65-F5344CB8AC3E}">
+        <p14:creationId xmlns:p14="http://schemas.microsoft.com/office/powerpoint/2010/main" val="3571475398"/>
+      </p:ext>
+    </p:extLst>
+  </p:cSld>
+  <p:clrMapOvr>
+    <a:masterClrMapping/>
+  </p:clrMapOvr>
+</p:sld>
+</file>
+
+<file path=ppt/slides/slide3.xml><?xml version="1.0" encoding="utf-8"?>
+<p:sld xmlns:a="http://schemas.openxmlformats.org/drawingml/2006/main" xmlns:r="http://schemas.openxmlformats.org/officeDocument/2006/relationships" xmlns:p="http://schemas.openxmlformats.org/presentationml/2006/main">
+  <p:cSld>
+    <p:spTree>
+      <p:nvGrpSpPr>
+        <p:cNvPr id="1" name=""/>
+        <p:cNvGrpSpPr/>
+        <p:nvPr/>
+      </p:nvGrpSpPr>
+      <p:grpSpPr>
+        <a:xfrm>
+          <a:off x="0" y="0"/>
+          <a:ext cx="0" cy="0"/>
+          <a:chOff x="0" y="0"/>
+          <a:chExt cx="0" cy="0"/>
+        </a:xfrm>
+      </p:grpSpPr>
+      <p:sp>
+        <p:nvSpPr>
+          <p:cNvPr id="4" name="Rectangle 3">
+            <a:extLst>
+              <a:ext uri="{FF2B5EF4-FFF2-40B4-BE49-F238E27FC236}">
+                <a16:creationId xmlns:a16="http://schemas.microsoft.com/office/drawing/2014/main" id="{3EC2E41A-082F-0523-47CB-DB9CBC77FAC5}"/>
+              </a:ext>
+            </a:extLst>
+          </p:cNvPr>
+          <p:cNvSpPr/>
+          <p:nvPr/>
+        </p:nvSpPr>
+        <p:spPr>
+          <a:xfrm>
+            <a:off x="0" y="2247899"/>
+            <a:ext cx="12192000" cy="2066925"/>
+          </a:xfrm>
+          <a:prstGeom prst="rect">
+            <a:avLst/>
+          </a:prstGeom>
+          <a:solidFill>
+            <a:schemeClr val="accent5">
+              <a:lumMod val="50000"/>
+            </a:schemeClr>
+          </a:solidFill>
+          <a:ln>
+            <a:solidFill>
+              <a:schemeClr val="accent5">
+                <a:lumMod val="50000"/>
+              </a:schemeClr>
+            </a:solidFill>
+          </a:ln>
+        </p:spPr>
+        <p:style>
+          <a:lnRef idx="2">
+            <a:schemeClr val="accent1">
+              <a:shade val="50000"/>
+            </a:schemeClr>
+          </a:lnRef>
+          <a:fillRef idx="1">
+            <a:schemeClr val="accent1"/>
+          </a:fillRef>
+          <a:effectRef idx="0">
+            <a:schemeClr val="accent1"/>
+          </a:effectRef>
+          <a:fontRef idx="minor">
+            <a:schemeClr val="lt1"/>
+          </a:fontRef>
+        </p:style>
+        <p:txBody>
+          <a:bodyPr rtlCol="0" anchor="ctr"/>
+          <a:lstStyle/>
+          <a:p>
+            <a:pPr algn="ctr"/>
+            <a:endParaRPr lang="vi-VN" dirty="0"/>
+          </a:p>
+        </p:txBody>
+      </p:sp>
+      <p:pic>
+        <p:nvPicPr>
+          <p:cNvPr id="8" name="Picture 7">
+            <a:extLst>
+              <a:ext uri="{FF2B5EF4-FFF2-40B4-BE49-F238E27FC236}">
+                <a16:creationId xmlns:a16="http://schemas.microsoft.com/office/drawing/2014/main" id="{43F0C53E-83AA-1A45-5921-0920F5A5EB1E}"/>
+              </a:ext>
+            </a:extLst>
+          </p:cNvPr>
+          <p:cNvPicPr>
+            <a:picLocks noChangeAspect="1"/>
+          </p:cNvPicPr>
+          <p:nvPr/>
+        </p:nvPicPr>
+        <p:blipFill>
+          <a:blip r:embed="rId2">
+            <a:extLst>
+              <a:ext uri="{28A0092B-C50C-407E-A947-70E740481C1C}">
+                <a14:useLocalDpi xmlns:a14="http://schemas.microsoft.com/office/drawing/2010/main" val="0"/>
+              </a:ext>
+            </a:extLst>
+          </a:blip>
+          <a:stretch>
+            <a:fillRect/>
+          </a:stretch>
+        </p:blipFill>
+        <p:spPr>
+          <a:xfrm>
+            <a:off x="130175" y="2343942"/>
+            <a:ext cx="2384228" cy="1874838"/>
+          </a:xfrm>
+          <a:prstGeom prst="rect">
+            <a:avLst/>
+          </a:prstGeom>
+        </p:spPr>
+      </p:pic>
+      <p:sp>
+        <p:nvSpPr>
+          <p:cNvPr id="9" name="TextBox 8">
+            <a:extLst>
+              <a:ext uri="{FF2B5EF4-FFF2-40B4-BE49-F238E27FC236}">
+                <a16:creationId xmlns:a16="http://schemas.microsoft.com/office/drawing/2014/main" id="{DF119CCF-A256-9CEE-2C86-730CA849BD50}"/>
+              </a:ext>
+            </a:extLst>
+          </p:cNvPr>
+          <p:cNvSpPr txBox="1"/>
+          <p:nvPr/>
+        </p:nvSpPr>
+        <p:spPr>
+          <a:xfrm>
+            <a:off x="2504878" y="2382042"/>
+            <a:ext cx="9471025" cy="1631216"/>
+          </a:xfrm>
+          <a:prstGeom prst="rect">
+            <a:avLst/>
+          </a:prstGeom>
+          <a:noFill/>
+        </p:spPr>
+        <p:txBody>
+          <a:bodyPr wrap="square" rtlCol="0">
+            <a:spAutoFit/>
+          </a:bodyPr>
+          <a:lstStyle/>
+          <a:p>
+            <a:pPr algn="ctr"/>
+            <a:r>
+              <a:rPr lang="vi-VN" sz="5000" dirty="0">
+                <a:solidFill>
+                  <a:schemeClr val="bg1"/>
+                </a:solidFill>
+                <a:latin typeface="Bahnschrift Condensed" panose="020B0502040204020203" pitchFamily="34" charset="0"/>
+              </a:rPr>
+              <a:t>Showroom Phát Tài</a:t>
+            </a:r>
+          </a:p>
+          <a:p>
+            <a:pPr algn="ctr"/>
+            <a:r>
+              <a:rPr lang="vi-VN" sz="5000" dirty="0">
+                <a:solidFill>
+                  <a:schemeClr val="bg1"/>
+                </a:solidFill>
+                <a:latin typeface="Bahnschrift Condensed" panose="020B0502040204020203" pitchFamily="34" charset="0"/>
+              </a:rPr>
+              <a:t>Uy Tín - Tận Tâm – Nhanh Chóng</a:t>
+            </a:r>
+          </a:p>
+        </p:txBody>
+      </p:sp>
+    </p:spTree>
+    <p:extLst>
+      <p:ext uri="{BB962C8B-B14F-4D97-AF65-F5344CB8AC3E}">
+        <p14:creationId xmlns:p14="http://schemas.microsoft.com/office/powerpoint/2010/main" val="3360026009"/>
+      </p:ext>
+    </p:extLst>
+  </p:cSld>
+  <p:clrMapOvr>
+    <a:masterClrMapping/>
+  </p:clrMapOvr>
+</p:sld>
+</file>
+
+<file path=ppt/slides/slide4.xml><?xml version="1.0" encoding="utf-8"?>
+<p:sld xmlns:a="http://schemas.openxmlformats.org/drawingml/2006/main" xmlns:r="http://schemas.openxmlformats.org/officeDocument/2006/relationships" xmlns:p="http://schemas.openxmlformats.org/presentationml/2006/main">
+  <p:cSld>
+    <p:spTree>
+      <p:nvGrpSpPr>
+        <p:cNvPr id="1" name=""/>
+        <p:cNvGrpSpPr/>
+        <p:nvPr/>
+      </p:nvGrpSpPr>
+      <p:grpSpPr>
+        <a:xfrm>
+          <a:off x="0" y="0"/>
+          <a:ext cx="0" cy="0"/>
+          <a:chOff x="0" y="0"/>
+          <a:chExt cx="0" cy="0"/>
+        </a:xfrm>
+      </p:grpSpPr>
+      <p:sp>
+        <p:nvSpPr>
+          <p:cNvPr id="4" name="Rectangle 3">
+            <a:extLst>
+              <a:ext uri="{FF2B5EF4-FFF2-40B4-BE49-F238E27FC236}">
+                <a16:creationId xmlns:a16="http://schemas.microsoft.com/office/drawing/2014/main" id="{20FC4CDB-EF45-7541-6DEA-F48DB63D519A}"/>
+              </a:ext>
+            </a:extLst>
+          </p:cNvPr>
+          <p:cNvSpPr/>
+          <p:nvPr/>
+        </p:nvSpPr>
+        <p:spPr>
+          <a:xfrm>
+            <a:off x="0" y="1762125"/>
+            <a:ext cx="12192000" cy="2066925"/>
+          </a:xfrm>
+          <a:prstGeom prst="rect">
+            <a:avLst/>
+          </a:prstGeom>
+          <a:solidFill>
+            <a:schemeClr val="accent1">
+              <a:lumMod val="60000"/>
+              <a:lumOff val="40000"/>
+            </a:schemeClr>
+          </a:solidFill>
+        </p:spPr>
+        <p:style>
+          <a:lnRef idx="2">
+            <a:schemeClr val="accent1">
+              <a:shade val="50000"/>
+            </a:schemeClr>
+          </a:lnRef>
+          <a:fillRef idx="1">
+            <a:schemeClr val="accent1"/>
+          </a:fillRef>
+          <a:effectRef idx="0">
+            <a:schemeClr val="accent1"/>
+          </a:effectRef>
+          <a:fontRef idx="minor">
+            <a:schemeClr val="lt1"/>
+          </a:fontRef>
+        </p:style>
+        <p:txBody>
+          <a:bodyPr rtlCol="0" anchor="ctr"/>
+          <a:lstStyle/>
+          <a:p>
+            <a:pPr algn="ctr"/>
+            <a:endParaRPr lang="vi-VN"/>
+          </a:p>
+        </p:txBody>
+      </p:sp>
+      <p:pic>
+        <p:nvPicPr>
+          <p:cNvPr id="1026" name="Picture 2" descr="Ford – Wikipedia tiếng Việt">
+            <a:extLst>
+              <a:ext uri="{FF2B5EF4-FFF2-40B4-BE49-F238E27FC236}">
+                <a16:creationId xmlns:a16="http://schemas.microsoft.com/office/drawing/2014/main" id="{95F9452E-6FA3-86DF-D068-63DB33586CDD}"/>
+              </a:ext>
+            </a:extLst>
+          </p:cNvPr>
+          <p:cNvPicPr>
+            <a:picLocks noChangeAspect="1" noChangeArrowheads="1"/>
+          </p:cNvPicPr>
+          <p:nvPr/>
+        </p:nvPicPr>
+        <p:blipFill>
+          <a:blip r:embed="rId2">
+            <a:extLst>
+              <a:ext uri="{28A0092B-C50C-407E-A947-70E740481C1C}">
+                <a14:useLocalDpi xmlns:a14="http://schemas.microsoft.com/office/drawing/2010/main" val="0"/>
+              </a:ext>
+            </a:extLst>
+          </a:blip>
+          <a:srcRect/>
+          <a:stretch>
+            <a:fillRect/>
+          </a:stretch>
+        </p:blipFill>
+        <p:spPr bwMode="auto">
+          <a:xfrm>
+            <a:off x="571950" y="2133599"/>
+            <a:ext cx="3457575" cy="1323975"/>
+          </a:xfrm>
+          <a:prstGeom prst="rect">
+            <a:avLst/>
+          </a:prstGeom>
+          <a:noFill/>
+          <a:extLst>
+            <a:ext uri="{909E8E84-426E-40DD-AFC4-6F175D3DCCD1}">
+              <a14:hiddenFill xmlns:a14="http://schemas.microsoft.com/office/drawing/2010/main">
+                <a:solidFill>
+                  <a:srgbClr val="FFFFFF"/>
+                </a:solidFill>
+              </a14:hiddenFill>
+            </a:ext>
+          </a:extLst>
+        </p:spPr>
+      </p:pic>
+      <mc:AlternateContent xmlns:mc="http://schemas.openxmlformats.org/markup-compatibility/2006">
+        <mc:Choice xmlns:p14="http://schemas.microsoft.com/office/powerpoint/2010/main" Requires="p14">
+          <p:contentPart p14:bwMode="auto" r:id="rId3">
+            <p14:nvContentPartPr>
+              <p14:cNvPr id="5" name="Ink 4">
+                <a:extLst>
+                  <a:ext uri="{FF2B5EF4-FFF2-40B4-BE49-F238E27FC236}">
+                    <a16:creationId xmlns:a16="http://schemas.microsoft.com/office/drawing/2014/main" id="{CFE1CEB7-EEE8-16D6-2EA5-CC3A53202FAA}"/>
+                  </a:ext>
+                </a:extLst>
+              </p14:cNvPr>
+              <p14:cNvContentPartPr/>
+              <p14:nvPr/>
+            </p14:nvContentPartPr>
+            <p14:xfrm>
+              <a:off x="6381795" y="2952210"/>
+              <a:ext cx="360" cy="360"/>
+            </p14:xfrm>
+          </p:contentPart>
+        </mc:Choice>
+        <mc:Fallback>
+          <p:pic>
+            <p:nvPicPr>
+              <p:cNvPr id="5" name="Ink 4">
+                <a:extLst>
+                  <a:ext uri="{FF2B5EF4-FFF2-40B4-BE49-F238E27FC236}">
+                    <a16:creationId xmlns:a16="http://schemas.microsoft.com/office/drawing/2014/main" id="{CFE1CEB7-EEE8-16D6-2EA5-CC3A53202FAA}"/>
+                  </a:ext>
+                </a:extLst>
+              </p:cNvPr>
+              <p:cNvPicPr/>
+              <p:nvPr/>
+            </p:nvPicPr>
+            <p:blipFill>
+              <a:blip r:embed="rId4"/>
+              <a:stretch>
+                <a:fillRect/>
+              </a:stretch>
+            </p:blipFill>
+            <p:spPr>
+              <a:xfrm>
+                <a:off x="6372795" y="2943570"/>
+                <a:ext cx="18000" cy="18000"/>
+              </a:xfrm>
+              <a:prstGeom prst="rect">
+                <a:avLst/>
+              </a:prstGeom>
+            </p:spPr>
+          </p:pic>
+        </mc:Fallback>
+      </mc:AlternateContent>
+      <mc:AlternateContent xmlns:mc="http://schemas.openxmlformats.org/markup-compatibility/2006">
+        <mc:Choice xmlns:p14="http://schemas.microsoft.com/office/powerpoint/2010/main" Requires="p14">
+          <p:contentPart p14:bwMode="auto" r:id="rId5">
+            <p14:nvContentPartPr>
+              <p14:cNvPr id="8" name="Ink 7">
+                <a:extLst>
+                  <a:ext uri="{FF2B5EF4-FFF2-40B4-BE49-F238E27FC236}">
+                    <a16:creationId xmlns:a16="http://schemas.microsoft.com/office/drawing/2014/main" id="{98916762-5B63-F64F-A544-B58A9B645E68}"/>
+                  </a:ext>
+                </a:extLst>
+              </p14:cNvPr>
+              <p14:cNvContentPartPr/>
+              <p14:nvPr/>
+            </p14:nvContentPartPr>
+            <p14:xfrm>
+              <a:off x="4800675" y="2457210"/>
+              <a:ext cx="360" cy="360"/>
+            </p14:xfrm>
+          </p:contentPart>
+        </mc:Choice>
+        <mc:Fallback>
+          <p:pic>
+            <p:nvPicPr>
+              <p:cNvPr id="8" name="Ink 7">
+                <a:extLst>
+                  <a:ext uri="{FF2B5EF4-FFF2-40B4-BE49-F238E27FC236}">
+                    <a16:creationId xmlns:a16="http://schemas.microsoft.com/office/drawing/2014/main" id="{98916762-5B63-F64F-A544-B58A9B645E68}"/>
+                  </a:ext>
+                </a:extLst>
+              </p:cNvPr>
+              <p:cNvPicPr/>
+              <p:nvPr/>
+            </p:nvPicPr>
+            <p:blipFill>
+              <a:blip r:embed="rId4"/>
+              <a:stretch>
+                <a:fillRect/>
+              </a:stretch>
+            </p:blipFill>
+            <p:spPr>
+              <a:xfrm>
+                <a:off x="4791675" y="2448210"/>
+                <a:ext cx="18000" cy="18000"/>
+              </a:xfrm>
+              <a:prstGeom prst="rect">
+                <a:avLst/>
+              </a:prstGeom>
+            </p:spPr>
+          </p:pic>
+        </mc:Fallback>
+      </mc:AlternateContent>
+      <mc:AlternateContent xmlns:mc="http://schemas.openxmlformats.org/markup-compatibility/2006">
+        <mc:Choice xmlns:p14="http://schemas.microsoft.com/office/powerpoint/2010/main" Requires="p14">
+          <p:contentPart p14:bwMode="auto" r:id="rId6">
+            <p14:nvContentPartPr>
+              <p14:cNvPr id="12" name="Ink 11">
+                <a:extLst>
+                  <a:ext uri="{FF2B5EF4-FFF2-40B4-BE49-F238E27FC236}">
+                    <a16:creationId xmlns:a16="http://schemas.microsoft.com/office/drawing/2014/main" id="{05888418-BC0E-6EBC-243C-751A7195D784}"/>
+                  </a:ext>
+                </a:extLst>
+              </p14:cNvPr>
+              <p14:cNvContentPartPr/>
+              <p14:nvPr/>
+            </p14:nvContentPartPr>
+            <p14:xfrm>
+              <a:off x="5238435" y="2522010"/>
+              <a:ext cx="4320" cy="1800"/>
+            </p14:xfrm>
+          </p:contentPart>
+        </mc:Choice>
+        <mc:Fallback>
+          <p:pic>
+            <p:nvPicPr>
+              <p:cNvPr id="12" name="Ink 11">
+                <a:extLst>
+                  <a:ext uri="{FF2B5EF4-FFF2-40B4-BE49-F238E27FC236}">
+                    <a16:creationId xmlns:a16="http://schemas.microsoft.com/office/drawing/2014/main" id="{05888418-BC0E-6EBC-243C-751A7195D784}"/>
+                  </a:ext>
+                </a:extLst>
+              </p:cNvPr>
+              <p:cNvPicPr/>
+              <p:nvPr/>
+            </p:nvPicPr>
+            <p:blipFill>
+              <a:blip r:embed="rId7"/>
+              <a:stretch>
+                <a:fillRect/>
+              </a:stretch>
+            </p:blipFill>
+            <p:spPr>
+              <a:xfrm>
+                <a:off x="5229795" y="2513010"/>
+                <a:ext cx="21960" cy="19440"/>
+              </a:xfrm>
+              <a:prstGeom prst="rect">
+                <a:avLst/>
+              </a:prstGeom>
+            </p:spPr>
+          </p:pic>
+        </mc:Fallback>
+      </mc:AlternateContent>
+      <mc:AlternateContent xmlns:mc="http://schemas.openxmlformats.org/markup-compatibility/2006">
+        <mc:Choice xmlns:p14="http://schemas.microsoft.com/office/powerpoint/2010/main" Requires="p14">
+          <p:contentPart p14:bwMode="auto" r:id="rId8">
+            <p14:nvContentPartPr>
+              <p14:cNvPr id="13" name="Ink 12">
+                <a:extLst>
+                  <a:ext uri="{FF2B5EF4-FFF2-40B4-BE49-F238E27FC236}">
+                    <a16:creationId xmlns:a16="http://schemas.microsoft.com/office/drawing/2014/main" id="{23C476BC-4F08-055B-82C7-01D8B204E81C}"/>
+                  </a:ext>
+                </a:extLst>
+              </p14:cNvPr>
+              <p14:cNvContentPartPr/>
+              <p14:nvPr/>
+            </p14:nvContentPartPr>
+            <p14:xfrm>
+              <a:off x="2733555" y="2570970"/>
+              <a:ext cx="360" cy="360"/>
+            </p14:xfrm>
+          </p:contentPart>
+        </mc:Choice>
+        <mc:Fallback>
+          <p:pic>
+            <p:nvPicPr>
+              <p:cNvPr id="13" name="Ink 12">
+                <a:extLst>
+                  <a:ext uri="{FF2B5EF4-FFF2-40B4-BE49-F238E27FC236}">
+                    <a16:creationId xmlns:a16="http://schemas.microsoft.com/office/drawing/2014/main" id="{23C476BC-4F08-055B-82C7-01D8B204E81C}"/>
+                  </a:ext>
+                </a:extLst>
+              </p:cNvPr>
+              <p:cNvPicPr/>
+              <p:nvPr/>
+            </p:nvPicPr>
+            <p:blipFill>
+              <a:blip r:embed="rId4"/>
+              <a:stretch>
+                <a:fillRect/>
+              </a:stretch>
+            </p:blipFill>
+            <p:spPr>
+              <a:xfrm>
+                <a:off x="2724555" y="2562330"/>
+                <a:ext cx="18000" cy="18000"/>
+              </a:xfrm>
+              <a:prstGeom prst="rect">
+                <a:avLst/>
+              </a:prstGeom>
+            </p:spPr>
+          </p:pic>
+        </mc:Fallback>
+      </mc:AlternateContent>
+      <p:sp>
+        <p:nvSpPr>
+          <p:cNvPr id="17" name="TextBox 16">
+            <a:extLst>
+              <a:ext uri="{FF2B5EF4-FFF2-40B4-BE49-F238E27FC236}">
+                <a16:creationId xmlns:a16="http://schemas.microsoft.com/office/drawing/2014/main" id="{EF651E29-701B-2BBC-514E-EDF273CAE97D}"/>
+              </a:ext>
+            </a:extLst>
+          </p:cNvPr>
+          <p:cNvSpPr txBox="1"/>
+          <p:nvPr/>
+        </p:nvSpPr>
+        <p:spPr>
+          <a:xfrm>
+            <a:off x="4429125" y="1826090"/>
+            <a:ext cx="7591425" cy="1938992"/>
+          </a:xfrm>
+          <a:prstGeom prst="rect">
+            <a:avLst/>
+          </a:prstGeom>
+          <a:noFill/>
+        </p:spPr>
+        <p:txBody>
+          <a:bodyPr wrap="square" rtlCol="0">
+            <a:spAutoFit/>
+          </a:bodyPr>
+          <a:lstStyle/>
+          <a:p>
+            <a:r>
+              <a:rPr lang="en-US" sz="2400" b="1" dirty="0">
+                <a:solidFill>
+                  <a:schemeClr val="bg1"/>
+                </a:solidFill>
+                <a:latin typeface="Times New Roman" panose="02020603050405020304" pitchFamily="18" charset="0"/>
+                <a:cs typeface="Times New Roman" panose="02020603050405020304" pitchFamily="18" charset="0"/>
+              </a:rPr>
+              <a:t>Showroom </a:t>
+            </a:r>
+            <a:r>
+              <a:rPr lang="vi-VN" sz="2400" b="1" dirty="0">
+                <a:solidFill>
+                  <a:schemeClr val="bg1"/>
+                </a:solidFill>
+                <a:latin typeface="Times New Roman" panose="02020603050405020304" pitchFamily="18" charset="0"/>
+                <a:cs typeface="Times New Roman" panose="02020603050405020304" pitchFamily="18" charset="0"/>
+              </a:rPr>
+              <a:t>ủy nhiệm Phát Tài</a:t>
+            </a:r>
+            <a:endParaRPr lang="en-US" sz="2400" b="1" dirty="0">
+              <a:solidFill>
+                <a:schemeClr val="bg1"/>
+              </a:solidFill>
+              <a:latin typeface="Times New Roman" panose="02020603050405020304" pitchFamily="18" charset="0"/>
+              <a:cs typeface="Times New Roman" panose="02020603050405020304" pitchFamily="18" charset="0"/>
+            </a:endParaRPr>
+          </a:p>
+          <a:p>
+            <a:r>
+              <a:rPr lang="vi-VN" sz="2400" b="1" dirty="0">
+                <a:solidFill>
+                  <a:schemeClr val="bg1"/>
+                </a:solidFill>
+                <a:latin typeface="Times New Roman" panose="02020603050405020304" pitchFamily="18" charset="0"/>
+                <a:cs typeface="Times New Roman" panose="02020603050405020304" pitchFamily="18" charset="0"/>
+              </a:rPr>
+              <a:t>Địa chỉ: 22A đại lộ ABC, quận Gotham, Thành phố Little India</a:t>
+            </a:r>
+          </a:p>
+          <a:p>
+            <a:r>
+              <a:rPr lang="vi-VN" sz="2400" b="1" dirty="0">
+                <a:solidFill>
+                  <a:schemeClr val="bg1"/>
+                </a:solidFill>
+                <a:latin typeface="Times New Roman" panose="02020603050405020304" pitchFamily="18" charset="0"/>
+                <a:cs typeface="Times New Roman" panose="02020603050405020304" pitchFamily="18" charset="0"/>
+              </a:rPr>
+              <a:t>Mail: </a:t>
+            </a:r>
+            <a:r>
+              <a:rPr lang="vi-VN" sz="2400" b="1" dirty="0">
+                <a:solidFill>
+                  <a:schemeClr val="bg1"/>
+                </a:solidFill>
+                <a:latin typeface="Times New Roman" panose="02020603050405020304" pitchFamily="18" charset="0"/>
+                <a:cs typeface="Times New Roman" panose="02020603050405020304" pitchFamily="18" charset="0"/>
+                <a:hlinkClick r:id="rId9">
+                  <a:extLst>
+                    <a:ext uri="{A12FA001-AC4F-418D-AE19-62706E023703}">
+                      <ahyp:hlinkClr xmlns:ahyp="http://schemas.microsoft.com/office/drawing/2018/hyperlinkcolor" val="tx"/>
+                    </a:ext>
+                  </a:extLst>
+                </a:hlinkClick>
+              </a:rPr>
+              <a:t>ShowroomFordCS511@123.xyz.com</a:t>
+            </a:r>
+            <a:endParaRPr lang="vi-VN" sz="2400" b="1" dirty="0">
+              <a:solidFill>
+                <a:schemeClr val="bg1"/>
+              </a:solidFill>
+              <a:latin typeface="Times New Roman" panose="02020603050405020304" pitchFamily="18" charset="0"/>
+              <a:cs typeface="Times New Roman" panose="02020603050405020304" pitchFamily="18" charset="0"/>
+            </a:endParaRPr>
+          </a:p>
+          <a:p>
+            <a:r>
+              <a:rPr lang="vi-VN" sz="2400" b="1" dirty="0">
+                <a:solidFill>
+                  <a:schemeClr val="bg1"/>
+                </a:solidFill>
+                <a:latin typeface="Times New Roman" panose="02020603050405020304" pitchFamily="18" charset="0"/>
+                <a:cs typeface="Times New Roman" panose="02020603050405020304" pitchFamily="18" charset="0"/>
+              </a:rPr>
+              <a:t>SĐT: 0123-xxx-xxx</a:t>
+            </a:r>
+            <a:endParaRPr lang="en-US" sz="2400" b="1" dirty="0">
+              <a:solidFill>
+                <a:schemeClr val="bg1"/>
+              </a:solidFill>
+              <a:latin typeface="Times New Roman" panose="02020603050405020304" pitchFamily="18" charset="0"/>
+              <a:cs typeface="Times New Roman" panose="02020603050405020304" pitchFamily="18" charset="0"/>
+            </a:endParaRPr>
+          </a:p>
+        </p:txBody>
+      </p:sp>
+    </p:spTree>
+    <p:extLst>
+      <p:ext uri="{BB962C8B-B14F-4D97-AF65-F5344CB8AC3E}">
+        <p14:creationId xmlns:p14="http://schemas.microsoft.com/office/powerpoint/2010/main" val="1736891744"/>
+      </p:ext>
+    </p:extLst>
+  </p:cSld>
+  <p:clrMapOvr>
+    <a:masterClrMapping/>
+  </p:clrMapOvr>
+</p:sld>
+</file>
+
 <file path=ppt/theme/theme1.xml><?xml version="1.0" encoding="utf-8"?>
 <a:theme xmlns:a="http://schemas.openxmlformats.org/drawingml/2006/main" name="Office Theme">
   <a:themeElements>

--- a/resou/HomeUI.pptx
+++ b/resou/HomeUI.pptx
@@ -9,6 +9,7 @@
     <p:sldId id="257" r:id="rId3"/>
     <p:sldId id="259" r:id="rId4"/>
     <p:sldId id="258" r:id="rId5"/>
+    <p:sldId id="260" r:id="rId6"/>
   </p:sldIdLst>
   <p:sldSz cx="12192000" cy="6858000"/>
   <p:notesSz cx="6858000" cy="9144000"/>
@@ -4196,8 +4197,8 @@
           </a:extLst>
         </p:spPr>
       </p:pic>
-      <mc:AlternateContent xmlns:mc="http://schemas.openxmlformats.org/markup-compatibility/2006">
-        <mc:Choice xmlns:p14="http://schemas.microsoft.com/office/powerpoint/2010/main" Requires="p14">
+      <mc:AlternateContent xmlns:mc="http://schemas.openxmlformats.org/markup-compatibility/2006" xmlns:p14="http://schemas.microsoft.com/office/powerpoint/2010/main">
+        <mc:Choice Requires="p14">
           <p:contentPart p14:bwMode="auto" r:id="rId3">
             <p14:nvContentPartPr>
               <p14:cNvPr id="5" name="Ink 4">
@@ -4216,7 +4217,7 @@
             </p14:xfrm>
           </p:contentPart>
         </mc:Choice>
-        <mc:Fallback>
+        <mc:Fallback xmlns="">
           <p:pic>
             <p:nvPicPr>
               <p:cNvPr id="5" name="Ink 4">
@@ -4247,8 +4248,8 @@
           </p:pic>
         </mc:Fallback>
       </mc:AlternateContent>
-      <mc:AlternateContent xmlns:mc="http://schemas.openxmlformats.org/markup-compatibility/2006">
-        <mc:Choice xmlns:p14="http://schemas.microsoft.com/office/powerpoint/2010/main" Requires="p14">
+      <mc:AlternateContent xmlns:mc="http://schemas.openxmlformats.org/markup-compatibility/2006" xmlns:p14="http://schemas.microsoft.com/office/powerpoint/2010/main">
+        <mc:Choice Requires="p14">
           <p:contentPart p14:bwMode="auto" r:id="rId5">
             <p14:nvContentPartPr>
               <p14:cNvPr id="8" name="Ink 7">
@@ -4267,7 +4268,7 @@
             </p14:xfrm>
           </p:contentPart>
         </mc:Choice>
-        <mc:Fallback>
+        <mc:Fallback xmlns="">
           <p:pic>
             <p:nvPicPr>
               <p:cNvPr id="8" name="Ink 7">
@@ -4298,8 +4299,8 @@
           </p:pic>
         </mc:Fallback>
       </mc:AlternateContent>
-      <mc:AlternateContent xmlns:mc="http://schemas.openxmlformats.org/markup-compatibility/2006">
-        <mc:Choice xmlns:p14="http://schemas.microsoft.com/office/powerpoint/2010/main" Requires="p14">
+      <mc:AlternateContent xmlns:mc="http://schemas.openxmlformats.org/markup-compatibility/2006" xmlns:p14="http://schemas.microsoft.com/office/powerpoint/2010/main">
+        <mc:Choice Requires="p14">
           <p:contentPart p14:bwMode="auto" r:id="rId6">
             <p14:nvContentPartPr>
               <p14:cNvPr id="12" name="Ink 11">
@@ -4318,7 +4319,7 @@
             </p14:xfrm>
           </p:contentPart>
         </mc:Choice>
-        <mc:Fallback>
+        <mc:Fallback xmlns="">
           <p:pic>
             <p:nvPicPr>
               <p:cNvPr id="12" name="Ink 11">
@@ -4349,8 +4350,8 @@
           </p:pic>
         </mc:Fallback>
       </mc:AlternateContent>
-      <mc:AlternateContent xmlns:mc="http://schemas.openxmlformats.org/markup-compatibility/2006">
-        <mc:Choice xmlns:p14="http://schemas.microsoft.com/office/powerpoint/2010/main" Requires="p14">
+      <mc:AlternateContent xmlns:mc="http://schemas.openxmlformats.org/markup-compatibility/2006" xmlns:p14="http://schemas.microsoft.com/office/powerpoint/2010/main">
+        <mc:Choice Requires="p14">
           <p:contentPart p14:bwMode="auto" r:id="rId8">
             <p14:nvContentPartPr>
               <p14:cNvPr id="13" name="Ink 12">
@@ -4369,7 +4370,7 @@
             </p14:xfrm>
           </p:contentPart>
         </mc:Choice>
-        <mc:Fallback>
+        <mc:Fallback xmlns="">
           <p:pic>
             <p:nvPicPr>
               <p:cNvPr id="13" name="Ink 12">
@@ -4529,6 +4530,36 @@
     <p:extLst>
       <p:ext uri="{BB962C8B-B14F-4D97-AF65-F5344CB8AC3E}">
         <p14:creationId xmlns:p14="http://schemas.microsoft.com/office/powerpoint/2010/main" val="1736891744"/>
+      </p:ext>
+    </p:extLst>
+  </p:cSld>
+  <p:clrMapOvr>
+    <a:masterClrMapping/>
+  </p:clrMapOvr>
+</p:sld>
+</file>
+
+<file path=ppt/slides/slide5.xml><?xml version="1.0" encoding="utf-8"?>
+<p:sld xmlns:a="http://schemas.openxmlformats.org/drawingml/2006/main" xmlns:r="http://schemas.openxmlformats.org/officeDocument/2006/relationships" xmlns:p="http://schemas.openxmlformats.org/presentationml/2006/main">
+  <p:cSld>
+    <p:spTree>
+      <p:nvGrpSpPr>
+        <p:cNvPr id="1" name=""/>
+        <p:cNvGrpSpPr/>
+        <p:nvPr/>
+      </p:nvGrpSpPr>
+      <p:grpSpPr>
+        <a:xfrm>
+          <a:off x="0" y="0"/>
+          <a:ext cx="0" cy="0"/>
+          <a:chOff x="0" y="0"/>
+          <a:chExt cx="0" cy="0"/>
+        </a:xfrm>
+      </p:grpSpPr>
+    </p:spTree>
+    <p:extLst>
+      <p:ext uri="{BB962C8B-B14F-4D97-AF65-F5344CB8AC3E}">
+        <p14:creationId xmlns:p14="http://schemas.microsoft.com/office/powerpoint/2010/main" val="3047054879"/>
       </p:ext>
     </p:extLst>
   </p:cSld>
